--- a/original-figs/favicon.pptx
+++ b/original-figs/favicon.pptx
@@ -6179,6 +6179,16 @@
 <file path=ppt/slides/slide1.xml><?xml version="1.0" encoding="utf-8"?>
 <p:sld xmlns:a="http://schemas.openxmlformats.org/drawingml/2006/main" xmlns:r="http://schemas.openxmlformats.org/officeDocument/2006/relationships" xmlns:p="http://schemas.openxmlformats.org/presentationml/2006/main">
   <p:cSld>
+    <p:bg>
+      <p:bgPr>
+        <a:solidFill>
+          <a:schemeClr val="bg1">
+            <a:lumMod val="95000"/>
+          </a:schemeClr>
+        </a:solidFill>
+        <a:effectLst/>
+      </p:bgPr>
+    </p:bg>
     <p:spTree>
       <p:nvGrpSpPr>
         <p:cNvPr id="1" name=""/>
@@ -6225,7 +6235,7 @@
                 </a:ln>
                 <a:solidFill>
                   <a:schemeClr val="bg1">
-                    <a:lumMod val="65000"/>
+                    <a:lumMod val="50000"/>
                   </a:schemeClr>
                 </a:solidFill>
                 <a:latin typeface="Bernard MT Condensed"/>
